--- a/Product_Bundling_Codiecon_final.pptx
+++ b/Product_Bundling_Codiecon_final.pptx
@@ -7978,7 +7978,7 @@
         </p:nvSpPr>
         <p:spPr>
           <a:xfrm>
-            <a:off x="876156" y="545245"/>
+            <a:off x="433096" y="545245"/>
             <a:ext cx="1310325" cy="382029"/>
           </a:xfrm>
           <a:prstGeom prst="roundRect">
@@ -8037,7 +8037,7 @@
         </p:nvSpPr>
         <p:spPr>
           <a:xfrm>
-            <a:off x="3571483" y="539681"/>
+            <a:off x="2600521" y="539681"/>
             <a:ext cx="1310325" cy="382029"/>
           </a:xfrm>
           <a:prstGeom prst="roundRect">
@@ -8096,7 +8096,7 @@
         </p:nvSpPr>
         <p:spPr>
           <a:xfrm>
-            <a:off x="6260689" y="532768"/>
+            <a:off x="4997496" y="532768"/>
             <a:ext cx="1310325" cy="382029"/>
           </a:xfrm>
           <a:prstGeom prst="roundRect">
@@ -8155,7 +8155,7 @@
         </p:nvSpPr>
         <p:spPr>
           <a:xfrm>
-            <a:off x="9125442" y="643378"/>
+            <a:off x="7833965" y="643378"/>
             <a:ext cx="1191205" cy="382029"/>
           </a:xfrm>
           <a:prstGeom prst="roundRect">
@@ -8222,7 +8222,7 @@
         </p:blipFill>
         <p:spPr>
           <a:xfrm>
-            <a:off x="1210165" y="983200"/>
+            <a:off x="767105" y="983200"/>
             <a:ext cx="601889" cy="798916"/>
           </a:xfrm>
           <a:prstGeom prst="rect">
@@ -8244,7 +8244,7 @@
         </p:nvSpPr>
         <p:spPr>
           <a:xfrm>
-            <a:off x="572095" y="1929121"/>
+            <a:off x="129035" y="1929121"/>
             <a:ext cx="1918447" cy="566183"/>
           </a:xfrm>
           <a:prstGeom prst="roundRect">
@@ -8311,7 +8311,7 @@
         </p:blipFill>
         <p:spPr>
           <a:xfrm>
-            <a:off x="3918160" y="934060"/>
+            <a:off x="2947198" y="934060"/>
             <a:ext cx="627423" cy="1039045"/>
           </a:xfrm>
           <a:prstGeom prst="rect">
@@ -8333,7 +8333,7 @@
         </p:nvSpPr>
         <p:spPr>
           <a:xfrm>
-            <a:off x="3291207" y="1921108"/>
+            <a:off x="2320245" y="1921108"/>
             <a:ext cx="1918447" cy="566183"/>
           </a:xfrm>
           <a:prstGeom prst="roundRect">
@@ -8476,7 +8476,7 @@
         </p:nvSpPr>
         <p:spPr>
           <a:xfrm>
-            <a:off x="605882" y="5978366"/>
+            <a:off x="162822" y="5978366"/>
             <a:ext cx="1744043" cy="753589"/>
           </a:xfrm>
           <a:prstGeom prst="roundRect">
@@ -8535,7 +8535,7 @@
         </p:nvSpPr>
         <p:spPr>
           <a:xfrm>
-            <a:off x="3325632" y="5978365"/>
+            <a:off x="2354670" y="5978365"/>
             <a:ext cx="1744043" cy="753589"/>
           </a:xfrm>
           <a:prstGeom prst="roundRect">
@@ -8602,7 +8602,7 @@
         </p:blipFill>
         <p:spPr>
           <a:xfrm>
-            <a:off x="1215225" y="4725973"/>
+            <a:off x="772165" y="4725973"/>
             <a:ext cx="556953" cy="1231427"/>
           </a:xfrm>
           <a:prstGeom prst="rect">
@@ -8632,7 +8632,7 @@
         </p:blipFill>
         <p:spPr>
           <a:xfrm>
-            <a:off x="3781609" y="4752476"/>
+            <a:off x="2810647" y="4752476"/>
             <a:ext cx="760818" cy="1234440"/>
           </a:xfrm>
           <a:prstGeom prst="rect">
@@ -8662,7 +8662,7 @@
         </p:blipFill>
         <p:spPr>
           <a:xfrm>
-            <a:off x="6580792" y="4793951"/>
+            <a:off x="5317599" y="4793951"/>
             <a:ext cx="758952" cy="1210354"/>
           </a:xfrm>
           <a:prstGeom prst="rect">
@@ -8684,7 +8684,7 @@
         </p:nvSpPr>
         <p:spPr>
           <a:xfrm>
-            <a:off x="6034157" y="6004305"/>
+            <a:off x="4770964" y="6004305"/>
             <a:ext cx="1918447" cy="753589"/>
           </a:xfrm>
           <a:prstGeom prst="roundRect">
@@ -8751,7 +8751,7 @@
         </p:blipFill>
         <p:spPr>
           <a:xfrm>
-            <a:off x="6414930" y="1034044"/>
+            <a:off x="5151737" y="1034044"/>
             <a:ext cx="953051" cy="885025"/>
           </a:xfrm>
           <a:prstGeom prst="rect">
@@ -8773,7 +8773,7 @@
         </p:nvSpPr>
         <p:spPr>
           <a:xfrm>
-            <a:off x="5962466" y="1915673"/>
+            <a:off x="4699273" y="1915673"/>
             <a:ext cx="1918447" cy="566183"/>
           </a:xfrm>
           <a:prstGeom prst="roundRect">
@@ -8832,8 +8832,8 @@
         </p:nvSpPr>
         <p:spPr>
           <a:xfrm>
-            <a:off x="8051925" y="1255337"/>
-            <a:ext cx="3309068" cy="1237034"/>
+            <a:off x="7104161" y="1311566"/>
+            <a:ext cx="2734767" cy="1124576"/>
           </a:xfrm>
           <a:prstGeom prst="rect">
             <a:avLst/>
@@ -8894,8 +8894,8 @@
         </p:nvSpPr>
         <p:spPr>
           <a:xfrm>
-            <a:off x="8051925" y="5170602"/>
-            <a:ext cx="3309068" cy="1237034"/>
+            <a:off x="7104161" y="5226831"/>
+            <a:ext cx="2734767" cy="1124576"/>
           </a:xfrm>
           <a:prstGeom prst="rect">
             <a:avLst/>
@@ -8956,7 +8956,7 @@
         </p:nvSpPr>
         <p:spPr>
           <a:xfrm>
-            <a:off x="661168" y="3656961"/>
+            <a:off x="218108" y="3656961"/>
             <a:ext cx="1744043" cy="753589"/>
           </a:xfrm>
           <a:prstGeom prst="roundRect">
@@ -9015,7 +9015,7 @@
         </p:nvSpPr>
         <p:spPr>
           <a:xfrm>
-            <a:off x="3378409" y="3653720"/>
+            <a:off x="2407447" y="3653720"/>
             <a:ext cx="1744043" cy="753589"/>
           </a:xfrm>
           <a:prstGeom prst="roundRect">
@@ -9082,7 +9082,7 @@
         </p:blipFill>
         <p:spPr>
           <a:xfrm>
-            <a:off x="903341" y="2734165"/>
+            <a:off x="460281" y="2734165"/>
             <a:ext cx="1265948" cy="860259"/>
           </a:xfrm>
           <a:prstGeom prst="rect">
@@ -9112,7 +9112,7 @@
         </p:blipFill>
         <p:spPr>
           <a:xfrm>
-            <a:off x="3651030" y="2829282"/>
+            <a:off x="2680068" y="2829282"/>
             <a:ext cx="1173078" cy="747839"/>
           </a:xfrm>
           <a:prstGeom prst="rect">
@@ -9142,7 +9142,7 @@
         </p:blipFill>
         <p:spPr>
           <a:xfrm>
-            <a:off x="6309661" y="2851339"/>
+            <a:off x="5046468" y="2851339"/>
             <a:ext cx="1182855" cy="777165"/>
           </a:xfrm>
           <a:prstGeom prst="rect">
@@ -9164,7 +9164,7 @@
         </p:nvSpPr>
         <p:spPr>
           <a:xfrm>
-            <a:off x="6079768" y="3658013"/>
+            <a:off x="4816575" y="3658013"/>
             <a:ext cx="1744043" cy="753589"/>
           </a:xfrm>
           <a:prstGeom prst="roundRect">
@@ -9223,8 +9223,8 @@
         </p:nvSpPr>
         <p:spPr>
           <a:xfrm>
-            <a:off x="8051925" y="2912161"/>
-            <a:ext cx="3309068" cy="1237034"/>
+            <a:off x="7104161" y="2968390"/>
+            <a:ext cx="2734767" cy="1124576"/>
           </a:xfrm>
           <a:prstGeom prst="rect">
             <a:avLst/>
@@ -9267,6 +9267,293 @@
                 </a:solidFill>
               </a:rPr>
               <a:t>Allow user to select bundle size(2 or 3), fragrance type and quantity of each products</a:t>
+            </a:r>
+          </a:p>
+        </p:txBody>
+      </p:sp>
+      <p:sp>
+        <p:nvSpPr>
+          <p:cNvPr id="30" name="Rectangle: Rounded Corners 29">
+            <a:extLst>
+              <a:ext uri="{FF2B5EF4-FFF2-40B4-BE49-F238E27FC236}">
+                <a16:creationId xmlns:a16="http://schemas.microsoft.com/office/drawing/2014/main" id="{0C737B34-FB9F-433E-BDA1-9308AF37C532}"/>
+              </a:ext>
+            </a:extLst>
+          </p:cNvPr>
+          <p:cNvSpPr/>
+          <p:nvPr/>
+        </p:nvSpPr>
+        <p:spPr>
+          <a:xfrm>
+            <a:off x="10495804" y="644948"/>
+            <a:ext cx="1191205" cy="382029"/>
+          </a:xfrm>
+          <a:prstGeom prst="roundRect">
+            <a:avLst/>
+          </a:prstGeom>
+          <a:noFill/>
+          <a:ln>
+            <a:noFill/>
+          </a:ln>
+        </p:spPr>
+        <p:style>
+          <a:lnRef idx="2">
+            <a:schemeClr val="accent1">
+              <a:shade val="50000"/>
+            </a:schemeClr>
+          </a:lnRef>
+          <a:fillRef idx="1">
+            <a:schemeClr val="accent1"/>
+          </a:fillRef>
+          <a:effectRef idx="0">
+            <a:schemeClr val="accent1"/>
+          </a:effectRef>
+          <a:fontRef idx="minor">
+            <a:schemeClr val="lt1"/>
+          </a:fontRef>
+        </p:style>
+        <p:txBody>
+          <a:bodyPr rtlCol="0" anchor="ctr"/>
+          <a:lstStyle/>
+          <a:p>
+            <a:pPr algn="ctr"/>
+            <a:r>
+              <a:rPr lang="en-US" sz="1600" b="1" dirty="0">
+                <a:solidFill>
+                  <a:schemeClr val="tx1"/>
+                </a:solidFill>
+                <a:latin typeface="Calibri" panose="020F0502020204030204" pitchFamily="34" charset="0"/>
+                <a:cs typeface="Calibri" panose="020F0502020204030204" pitchFamily="34" charset="0"/>
+              </a:rPr>
+              <a:t>Discount</a:t>
+            </a:r>
+          </a:p>
+        </p:txBody>
+      </p:sp>
+      <p:sp>
+        <p:nvSpPr>
+          <p:cNvPr id="38" name="Rectangle 37">
+            <a:extLst>
+              <a:ext uri="{FF2B5EF4-FFF2-40B4-BE49-F238E27FC236}">
+                <a16:creationId xmlns:a16="http://schemas.microsoft.com/office/drawing/2014/main" id="{6A08D96F-BA0B-4620-B1E1-AA531EB0F4AF}"/>
+              </a:ext>
+            </a:extLst>
+          </p:cNvPr>
+          <p:cNvSpPr/>
+          <p:nvPr/>
+        </p:nvSpPr>
+        <p:spPr>
+          <a:xfrm>
+            <a:off x="10157464" y="1256573"/>
+            <a:ext cx="1867884" cy="1124576"/>
+          </a:xfrm>
+          <a:prstGeom prst="rect">
+            <a:avLst/>
+          </a:prstGeom>
+          <a:solidFill>
+            <a:schemeClr val="bg1"/>
+          </a:solidFill>
+          <a:ln>
+            <a:noFill/>
+          </a:ln>
+        </p:spPr>
+        <p:style>
+          <a:lnRef idx="2">
+            <a:schemeClr val="accent1">
+              <a:shade val="50000"/>
+            </a:schemeClr>
+          </a:lnRef>
+          <a:fillRef idx="1">
+            <a:schemeClr val="accent1"/>
+          </a:fillRef>
+          <a:effectRef idx="0">
+            <a:schemeClr val="accent1"/>
+          </a:effectRef>
+          <a:fontRef idx="minor">
+            <a:schemeClr val="lt1"/>
+          </a:fontRef>
+        </p:style>
+        <p:txBody>
+          <a:bodyPr rtlCol="0" anchor="ctr"/>
+          <a:lstStyle/>
+          <a:p>
+            <a:pPr marL="285750" indent="-285750">
+              <a:buFont typeface="Wingdings" panose="05000000000000000000" pitchFamily="2" charset="2"/>
+              <a:buChar char="§"/>
+            </a:pPr>
+            <a:r>
+              <a:rPr lang="en-US" sz="1400" dirty="0">
+                <a:solidFill>
+                  <a:schemeClr val="tx1"/>
+                </a:solidFill>
+              </a:rPr>
+              <a:t>2 Product: 11%</a:t>
+            </a:r>
+          </a:p>
+          <a:p>
+            <a:pPr marL="285750" indent="-285750">
+              <a:buFont typeface="Wingdings" panose="05000000000000000000" pitchFamily="2" charset="2"/>
+              <a:buChar char="§"/>
+            </a:pPr>
+            <a:r>
+              <a:rPr lang="en-US" sz="1400" dirty="0">
+                <a:solidFill>
+                  <a:schemeClr val="tx1"/>
+                </a:solidFill>
+              </a:rPr>
+              <a:t>3 Products: 14%</a:t>
+            </a:r>
+          </a:p>
+        </p:txBody>
+      </p:sp>
+      <p:sp>
+        <p:nvSpPr>
+          <p:cNvPr id="39" name="Rectangle 38">
+            <a:extLst>
+              <a:ext uri="{FF2B5EF4-FFF2-40B4-BE49-F238E27FC236}">
+                <a16:creationId xmlns:a16="http://schemas.microsoft.com/office/drawing/2014/main" id="{23FF4A7E-BE8C-405F-8F01-056150CE8252}"/>
+              </a:ext>
+            </a:extLst>
+          </p:cNvPr>
+          <p:cNvSpPr/>
+          <p:nvPr/>
+        </p:nvSpPr>
+        <p:spPr>
+          <a:xfrm>
+            <a:off x="10157464" y="3002102"/>
+            <a:ext cx="1867884" cy="1124576"/>
+          </a:xfrm>
+          <a:prstGeom prst="rect">
+            <a:avLst/>
+          </a:prstGeom>
+          <a:solidFill>
+            <a:schemeClr val="bg1"/>
+          </a:solidFill>
+          <a:ln>
+            <a:noFill/>
+          </a:ln>
+        </p:spPr>
+        <p:style>
+          <a:lnRef idx="2">
+            <a:schemeClr val="accent1">
+              <a:shade val="50000"/>
+            </a:schemeClr>
+          </a:lnRef>
+          <a:fillRef idx="1">
+            <a:schemeClr val="accent1"/>
+          </a:fillRef>
+          <a:effectRef idx="0">
+            <a:schemeClr val="accent1"/>
+          </a:effectRef>
+          <a:fontRef idx="minor">
+            <a:schemeClr val="lt1"/>
+          </a:fontRef>
+        </p:style>
+        <p:txBody>
+          <a:bodyPr rtlCol="0" anchor="ctr"/>
+          <a:lstStyle/>
+          <a:p>
+            <a:pPr marL="285750" indent="-285750">
+              <a:buFont typeface="Wingdings" panose="05000000000000000000" pitchFamily="2" charset="2"/>
+              <a:buChar char="§"/>
+            </a:pPr>
+            <a:r>
+              <a:rPr lang="en-US" sz="1400" dirty="0">
+                <a:solidFill>
+                  <a:schemeClr val="tx1"/>
+                </a:solidFill>
+              </a:rPr>
+              <a:t>2 Product: 15%</a:t>
+            </a:r>
+          </a:p>
+          <a:p>
+            <a:pPr marL="285750" indent="-285750">
+              <a:buFont typeface="Wingdings" panose="05000000000000000000" pitchFamily="2" charset="2"/>
+              <a:buChar char="§"/>
+            </a:pPr>
+            <a:r>
+              <a:rPr lang="en-US" sz="1400" dirty="0">
+                <a:solidFill>
+                  <a:schemeClr val="tx1"/>
+                </a:solidFill>
+              </a:rPr>
+              <a:t>3 Products: 20%</a:t>
+            </a:r>
+          </a:p>
+        </p:txBody>
+      </p:sp>
+      <p:sp>
+        <p:nvSpPr>
+          <p:cNvPr id="40" name="Rectangle 39">
+            <a:extLst>
+              <a:ext uri="{FF2B5EF4-FFF2-40B4-BE49-F238E27FC236}">
+                <a16:creationId xmlns:a16="http://schemas.microsoft.com/office/drawing/2014/main" id="{E1BF73AC-1548-4D20-934E-F20EC25AA56C}"/>
+              </a:ext>
+            </a:extLst>
+          </p:cNvPr>
+          <p:cNvSpPr/>
+          <p:nvPr/>
+        </p:nvSpPr>
+        <p:spPr>
+          <a:xfrm>
+            <a:off x="10157464" y="5096423"/>
+            <a:ext cx="1867884" cy="1124576"/>
+          </a:xfrm>
+          <a:prstGeom prst="rect">
+            <a:avLst/>
+          </a:prstGeom>
+          <a:solidFill>
+            <a:schemeClr val="bg1"/>
+          </a:solidFill>
+          <a:ln>
+            <a:noFill/>
+          </a:ln>
+        </p:spPr>
+        <p:style>
+          <a:lnRef idx="2">
+            <a:schemeClr val="accent1">
+              <a:shade val="50000"/>
+            </a:schemeClr>
+          </a:lnRef>
+          <a:fillRef idx="1">
+            <a:schemeClr val="accent1"/>
+          </a:fillRef>
+          <a:effectRef idx="0">
+            <a:schemeClr val="accent1"/>
+          </a:effectRef>
+          <a:fontRef idx="minor">
+            <a:schemeClr val="lt1"/>
+          </a:fontRef>
+        </p:style>
+        <p:txBody>
+          <a:bodyPr rtlCol="0" anchor="ctr"/>
+          <a:lstStyle/>
+          <a:p>
+            <a:pPr marL="285750" indent="-285750">
+              <a:buFont typeface="Wingdings" panose="05000000000000000000" pitchFamily="2" charset="2"/>
+              <a:buChar char="§"/>
+            </a:pPr>
+            <a:r>
+              <a:rPr lang="en-US" sz="1400" dirty="0">
+                <a:solidFill>
+                  <a:schemeClr val="tx1"/>
+                </a:solidFill>
+              </a:rPr>
+              <a:t>2 Product: 15%</a:t>
+            </a:r>
+          </a:p>
+          <a:p>
+            <a:pPr marL="285750" indent="-285750">
+              <a:buFont typeface="Wingdings" panose="05000000000000000000" pitchFamily="2" charset="2"/>
+              <a:buChar char="§"/>
+            </a:pPr>
+            <a:r>
+              <a:rPr lang="en-US" sz="1400" dirty="0">
+                <a:solidFill>
+                  <a:schemeClr val="tx1"/>
+                </a:solidFill>
+              </a:rPr>
+              <a:t>3 Products: 20%</a:t>
             </a:r>
           </a:p>
         </p:txBody>
@@ -9358,7 +9645,7 @@
         </p:nvSpPr>
         <p:spPr>
           <a:xfrm>
-            <a:off x="1620876" y="539681"/>
+            <a:off x="470809" y="539681"/>
             <a:ext cx="1310325" cy="382029"/>
           </a:xfrm>
           <a:prstGeom prst="roundRect">
@@ -9417,7 +9704,7 @@
         </p:nvSpPr>
         <p:spPr>
           <a:xfrm>
-            <a:off x="4861090" y="539681"/>
+            <a:off x="3711023" y="539681"/>
             <a:ext cx="1310325" cy="382029"/>
           </a:xfrm>
           <a:prstGeom prst="roundRect">
@@ -9518,7 +9805,7 @@
         </p:nvSpPr>
         <p:spPr>
           <a:xfrm>
-            <a:off x="4617110" y="5978365"/>
+            <a:off x="3467043" y="5978365"/>
             <a:ext cx="1744043" cy="753589"/>
           </a:xfrm>
           <a:prstGeom prst="roundRect">
@@ -9585,7 +9872,7 @@
         </p:blipFill>
         <p:spPr>
           <a:xfrm>
-            <a:off x="1731064" y="5030677"/>
+            <a:off x="580997" y="5030677"/>
             <a:ext cx="1182855" cy="777165"/>
           </a:xfrm>
           <a:prstGeom prst="rect">
@@ -9607,7 +9894,7 @@
         </p:nvSpPr>
         <p:spPr>
           <a:xfrm>
-            <a:off x="1501171" y="5837351"/>
+            <a:off x="351104" y="5837351"/>
             <a:ext cx="1744043" cy="753589"/>
           </a:xfrm>
           <a:prstGeom prst="roundRect">
@@ -9674,7 +9961,7 @@
         </p:blipFill>
         <p:spPr>
           <a:xfrm>
-            <a:off x="4923642" y="4997741"/>
+            <a:off x="3773575" y="4997741"/>
             <a:ext cx="1070880" cy="928688"/>
           </a:xfrm>
           <a:prstGeom prst="rect">
@@ -9696,7 +9983,7 @@
         </p:nvSpPr>
         <p:spPr>
           <a:xfrm>
-            <a:off x="1404017" y="1829854"/>
+            <a:off x="253950" y="1829854"/>
             <a:ext cx="1744043" cy="753589"/>
           </a:xfrm>
           <a:prstGeom prst="roundRect">
@@ -9763,7 +10050,7 @@
         </p:blipFill>
         <p:spPr>
           <a:xfrm>
-            <a:off x="1536225" y="1078564"/>
+            <a:off x="386158" y="1078564"/>
             <a:ext cx="1431255" cy="479056"/>
           </a:xfrm>
           <a:prstGeom prst="rect">
@@ -9785,7 +10072,7 @@
         </p:nvSpPr>
         <p:spPr>
           <a:xfrm>
-            <a:off x="4622841" y="1762121"/>
+            <a:off x="3472774" y="1762121"/>
             <a:ext cx="1744043" cy="753589"/>
           </a:xfrm>
           <a:prstGeom prst="roundRect">
@@ -9852,7 +10139,7 @@
         </p:blipFill>
         <p:spPr>
           <a:xfrm>
-            <a:off x="4865014" y="839325"/>
+            <a:off x="3714947" y="839325"/>
             <a:ext cx="1265948" cy="860259"/>
           </a:xfrm>
           <a:prstGeom prst="rect">
@@ -9916,7 +10203,7 @@
         </p:nvSpPr>
         <p:spPr>
           <a:xfrm>
-            <a:off x="8390157" y="643378"/>
+            <a:off x="7240090" y="643378"/>
             <a:ext cx="1191205" cy="382029"/>
           </a:xfrm>
           <a:prstGeom prst="roundRect">
@@ -9975,7 +10262,7 @@
         </p:nvSpPr>
         <p:spPr>
           <a:xfrm>
-            <a:off x="7316640" y="1255337"/>
+            <a:off x="6166573" y="1255337"/>
             <a:ext cx="3309068" cy="1237034"/>
           </a:xfrm>
           <a:prstGeom prst="rect">
@@ -10037,7 +10324,7 @@
         </p:nvSpPr>
         <p:spPr>
           <a:xfrm>
-            <a:off x="7316640" y="5170602"/>
+            <a:off x="6166573" y="5170602"/>
             <a:ext cx="3309068" cy="1237034"/>
           </a:xfrm>
           <a:prstGeom prst="rect">
@@ -10099,7 +10386,7 @@
         </p:nvSpPr>
         <p:spPr>
           <a:xfrm>
-            <a:off x="1405888" y="3717386"/>
+            <a:off x="255821" y="3717386"/>
             <a:ext cx="1744043" cy="753589"/>
           </a:xfrm>
           <a:prstGeom prst="roundRect">
@@ -10158,7 +10445,7 @@
         </p:nvSpPr>
         <p:spPr>
           <a:xfrm>
-            <a:off x="4669887" y="3714145"/>
+            <a:off x="3519820" y="3714145"/>
             <a:ext cx="1744043" cy="753589"/>
           </a:xfrm>
           <a:prstGeom prst="roundRect">
@@ -10225,7 +10512,7 @@
         </p:blipFill>
         <p:spPr>
           <a:xfrm>
-            <a:off x="1946396" y="2665316"/>
+            <a:off x="796329" y="2665316"/>
             <a:ext cx="686442" cy="1128855"/>
           </a:xfrm>
           <a:prstGeom prst="rect">
@@ -10255,7 +10542,7 @@
         </p:blipFill>
         <p:spPr>
           <a:xfrm>
-            <a:off x="4925576" y="2697336"/>
+            <a:off x="3775509" y="2697336"/>
             <a:ext cx="986633" cy="1081904"/>
           </a:xfrm>
           <a:prstGeom prst="rect">
@@ -10277,7 +10564,7 @@
         </p:nvSpPr>
         <p:spPr>
           <a:xfrm>
-            <a:off x="7316640" y="2972586"/>
+            <a:off x="6166573" y="2972586"/>
             <a:ext cx="3309068" cy="1237034"/>
           </a:xfrm>
           <a:prstGeom prst="rect">
@@ -10321,6 +10608,242 @@
                 </a:solidFill>
               </a:rPr>
               <a:t>Allow user to select quantity of each products</a:t>
+            </a:r>
+          </a:p>
+        </p:txBody>
+      </p:sp>
+      <p:sp>
+        <p:nvSpPr>
+          <p:cNvPr id="23" name="Rectangle: Rounded Corners 22">
+            <a:extLst>
+              <a:ext uri="{FF2B5EF4-FFF2-40B4-BE49-F238E27FC236}">
+                <a16:creationId xmlns:a16="http://schemas.microsoft.com/office/drawing/2014/main" id="{8937D636-444F-4AFA-B0FD-111460EED552}"/>
+              </a:ext>
+            </a:extLst>
+          </p:cNvPr>
+          <p:cNvSpPr/>
+          <p:nvPr/>
+        </p:nvSpPr>
+        <p:spPr>
+          <a:xfrm>
+            <a:off x="10495804" y="644948"/>
+            <a:ext cx="1191205" cy="382029"/>
+          </a:xfrm>
+          <a:prstGeom prst="roundRect">
+            <a:avLst/>
+          </a:prstGeom>
+          <a:noFill/>
+          <a:ln>
+            <a:noFill/>
+          </a:ln>
+        </p:spPr>
+        <p:style>
+          <a:lnRef idx="2">
+            <a:schemeClr val="accent1">
+              <a:shade val="50000"/>
+            </a:schemeClr>
+          </a:lnRef>
+          <a:fillRef idx="1">
+            <a:schemeClr val="accent1"/>
+          </a:fillRef>
+          <a:effectRef idx="0">
+            <a:schemeClr val="accent1"/>
+          </a:effectRef>
+          <a:fontRef idx="minor">
+            <a:schemeClr val="lt1"/>
+          </a:fontRef>
+        </p:style>
+        <p:txBody>
+          <a:bodyPr rtlCol="0" anchor="ctr"/>
+          <a:lstStyle/>
+          <a:p>
+            <a:pPr algn="ctr"/>
+            <a:r>
+              <a:rPr lang="en-US" sz="1600" b="1" dirty="0">
+                <a:solidFill>
+                  <a:schemeClr val="tx1"/>
+                </a:solidFill>
+                <a:latin typeface="Calibri" panose="020F0502020204030204" pitchFamily="34" charset="0"/>
+                <a:cs typeface="Calibri" panose="020F0502020204030204" pitchFamily="34" charset="0"/>
+              </a:rPr>
+              <a:t>Discount</a:t>
+            </a:r>
+          </a:p>
+        </p:txBody>
+      </p:sp>
+      <p:sp>
+        <p:nvSpPr>
+          <p:cNvPr id="24" name="Rectangle 23">
+            <a:extLst>
+              <a:ext uri="{FF2B5EF4-FFF2-40B4-BE49-F238E27FC236}">
+                <a16:creationId xmlns:a16="http://schemas.microsoft.com/office/drawing/2014/main" id="{107C8E26-A273-40B4-B690-15DEEE3CFF0D}"/>
+              </a:ext>
+            </a:extLst>
+          </p:cNvPr>
+          <p:cNvSpPr/>
+          <p:nvPr/>
+        </p:nvSpPr>
+        <p:spPr>
+          <a:xfrm>
+            <a:off x="10157464" y="1256573"/>
+            <a:ext cx="1867884" cy="1124576"/>
+          </a:xfrm>
+          <a:prstGeom prst="rect">
+            <a:avLst/>
+          </a:prstGeom>
+          <a:solidFill>
+            <a:schemeClr val="bg1"/>
+          </a:solidFill>
+          <a:ln>
+            <a:noFill/>
+          </a:ln>
+        </p:spPr>
+        <p:style>
+          <a:lnRef idx="2">
+            <a:schemeClr val="accent1">
+              <a:shade val="50000"/>
+            </a:schemeClr>
+          </a:lnRef>
+          <a:fillRef idx="1">
+            <a:schemeClr val="accent1"/>
+          </a:fillRef>
+          <a:effectRef idx="0">
+            <a:schemeClr val="accent1"/>
+          </a:effectRef>
+          <a:fontRef idx="minor">
+            <a:schemeClr val="lt1"/>
+          </a:fontRef>
+        </p:style>
+        <p:txBody>
+          <a:bodyPr rtlCol="0" anchor="ctr"/>
+          <a:lstStyle/>
+          <a:p>
+            <a:pPr algn="ctr"/>
+            <a:r>
+              <a:rPr lang="en-US" sz="1400" dirty="0">
+                <a:solidFill>
+                  <a:schemeClr val="tx1"/>
+                </a:solidFill>
+              </a:rPr>
+              <a:t>15%</a:t>
+            </a:r>
+          </a:p>
+        </p:txBody>
+      </p:sp>
+      <p:sp>
+        <p:nvSpPr>
+          <p:cNvPr id="27" name="Rectangle 26">
+            <a:extLst>
+              <a:ext uri="{FF2B5EF4-FFF2-40B4-BE49-F238E27FC236}">
+                <a16:creationId xmlns:a16="http://schemas.microsoft.com/office/drawing/2014/main" id="{6FFFAA3D-E59F-4652-B8BA-DFC3B80001D4}"/>
+              </a:ext>
+            </a:extLst>
+          </p:cNvPr>
+          <p:cNvSpPr/>
+          <p:nvPr/>
+        </p:nvSpPr>
+        <p:spPr>
+          <a:xfrm>
+            <a:off x="10083621" y="3068090"/>
+            <a:ext cx="1867884" cy="1124576"/>
+          </a:xfrm>
+          <a:prstGeom prst="rect">
+            <a:avLst/>
+          </a:prstGeom>
+          <a:solidFill>
+            <a:schemeClr val="bg1"/>
+          </a:solidFill>
+          <a:ln>
+            <a:noFill/>
+          </a:ln>
+        </p:spPr>
+        <p:style>
+          <a:lnRef idx="2">
+            <a:schemeClr val="accent1">
+              <a:shade val="50000"/>
+            </a:schemeClr>
+          </a:lnRef>
+          <a:fillRef idx="1">
+            <a:schemeClr val="accent1"/>
+          </a:fillRef>
+          <a:effectRef idx="0">
+            <a:schemeClr val="accent1"/>
+          </a:effectRef>
+          <a:fontRef idx="minor">
+            <a:schemeClr val="lt1"/>
+          </a:fontRef>
+        </p:style>
+        <p:txBody>
+          <a:bodyPr rtlCol="0" anchor="ctr"/>
+          <a:lstStyle/>
+          <a:p>
+            <a:pPr algn="ctr"/>
+            <a:r>
+              <a:rPr lang="en-US" sz="1400" dirty="0">
+                <a:solidFill>
+                  <a:schemeClr val="tx1"/>
+                </a:solidFill>
+              </a:rPr>
+              <a:t>15%</a:t>
+            </a:r>
+          </a:p>
+        </p:txBody>
+      </p:sp>
+      <p:sp>
+        <p:nvSpPr>
+          <p:cNvPr id="33" name="Rectangle 32">
+            <a:extLst>
+              <a:ext uri="{FF2B5EF4-FFF2-40B4-BE49-F238E27FC236}">
+                <a16:creationId xmlns:a16="http://schemas.microsoft.com/office/drawing/2014/main" id="{2D0534B6-0439-41A0-95D5-50F67EF53AD1}"/>
+              </a:ext>
+            </a:extLst>
+          </p:cNvPr>
+          <p:cNvSpPr/>
+          <p:nvPr/>
+        </p:nvSpPr>
+        <p:spPr>
+          <a:xfrm>
+            <a:off x="10000352" y="5068145"/>
+            <a:ext cx="1867884" cy="1124576"/>
+          </a:xfrm>
+          <a:prstGeom prst="rect">
+            <a:avLst/>
+          </a:prstGeom>
+          <a:solidFill>
+            <a:schemeClr val="bg1"/>
+          </a:solidFill>
+          <a:ln>
+            <a:noFill/>
+          </a:ln>
+        </p:spPr>
+        <p:style>
+          <a:lnRef idx="2">
+            <a:schemeClr val="accent1">
+              <a:shade val="50000"/>
+            </a:schemeClr>
+          </a:lnRef>
+          <a:fillRef idx="1">
+            <a:schemeClr val="accent1"/>
+          </a:fillRef>
+          <a:effectRef idx="0">
+            <a:schemeClr val="accent1"/>
+          </a:effectRef>
+          <a:fontRef idx="minor">
+            <a:schemeClr val="lt1"/>
+          </a:fontRef>
+        </p:style>
+        <p:txBody>
+          <a:bodyPr rtlCol="0" anchor="ctr"/>
+          <a:lstStyle/>
+          <a:p>
+            <a:pPr algn="ctr"/>
+            <a:r>
+              <a:rPr lang="en-US" sz="1400" dirty="0">
+                <a:solidFill>
+                  <a:schemeClr val="tx1"/>
+                </a:solidFill>
+              </a:rPr>
+              <a:t>15%</a:t>
             </a:r>
           </a:p>
         </p:txBody>
